--- a/namaz/Namaz_Sunumu.pptx
+++ b/namaz/Namaz_Sunumu.pptx
@@ -7781,13 +7781,13 @@
   <p:clrMapOvr>
     <a:masterClrMapping/>
   </p:clrMapOvr>
-  <mc:AlternateContent xmlns:mc="http://schemas.openxmlformats.org/markup-compatibility/2006">
-    <mc:Choice xmlns:p15="http://schemas.microsoft.com/office/powerpoint/2012/main" Requires="p15">
+  <mc:AlternateContent xmlns:mc="http://schemas.openxmlformats.org/markup-compatibility/2006" xmlns:p15="http://schemas.microsoft.com/office/powerpoint/2012/main">
+    <mc:Choice Requires="p15">
       <p:transition xmlns:p14="http://schemas.microsoft.com/office/powerpoint/2010/main" spd="slow" p14:dur="1250">
         <p15:prstTrans prst="peelOff"/>
       </p:transition>
     </mc:Choice>
-    <mc:Fallback>
+    <mc:Fallback xmlns="">
       <p:transition spd="slow">
         <p:fade/>
       </p:transition>
@@ -7887,11 +7887,7 @@
           <a:lstStyle/>
           <a:p>
             <a:r>
-              <a:rPr dirty="0"/>
-              <a:t>🕌 </a:t>
-            </a:r>
-            <a:r>
-              <a:rPr dirty="0" err="1"/>
+              <a:rPr dirty="0" err="1" smtClean="0"/>
               <a:t>Namaz</a:t>
             </a:r>
             <a:r>
@@ -8105,13 +8101,13 @@
   <p:clrMapOvr>
     <a:masterClrMapping/>
   </p:clrMapOvr>
-  <mc:AlternateContent xmlns:mc="http://schemas.openxmlformats.org/markup-compatibility/2006">
-    <mc:Choice xmlns:p15="http://schemas.microsoft.com/office/powerpoint/2012/main" Requires="p15">
+  <mc:AlternateContent xmlns:mc="http://schemas.openxmlformats.org/markup-compatibility/2006" xmlns:p15="http://schemas.microsoft.com/office/powerpoint/2012/main">
+    <mc:Choice Requires="p15">
       <p:transition xmlns:p14="http://schemas.microsoft.com/office/powerpoint/2010/main" spd="slow" p14:dur="2000">
         <p15:prstTrans prst="prestige"/>
       </p:transition>
     </mc:Choice>
-    <mc:Fallback>
+    <mc:Fallback xmlns="">
       <p:transition spd="slow">
         <p:fade/>
       </p:transition>
@@ -8305,15 +8301,11 @@
           </a:p>
           <a:p>
             <a:r>
-              <a:rPr dirty="0"/>
-              <a:t>📅 </a:t>
-            </a:r>
-            <a:r>
-              <a:rPr dirty="0" err="1"/>
+              <a:rPr dirty="0" err="1" smtClean="0"/>
               <a:t>Günlük</a:t>
             </a:r>
             <a:r>
-              <a:rPr dirty="0"/>
+              <a:rPr dirty="0" smtClean="0"/>
               <a:t> </a:t>
             </a:r>
             <a:r>
@@ -8560,15 +8552,11 @@
           <a:lstStyle/>
           <a:p>
             <a:r>
-              <a:rPr dirty="0"/>
-              <a:t>📖 </a:t>
-            </a:r>
-            <a:r>
-              <a:rPr dirty="0" err="1"/>
+              <a:rPr dirty="0" err="1" smtClean="0"/>
               <a:t>Fatiha</a:t>
             </a:r>
             <a:r>
-              <a:rPr dirty="0"/>
+              <a:rPr dirty="0" smtClean="0"/>
               <a:t> </a:t>
             </a:r>
             <a:r>
@@ -8598,11 +8586,7 @@
           </a:p>
           <a:p>
             <a:r>
-              <a:rPr dirty="0"/>
-              <a:t>📜 </a:t>
-            </a:r>
-            <a:r>
-              <a:rPr dirty="0" err="1"/>
+              <a:rPr dirty="0" err="1" smtClean="0"/>
               <a:t>Sübhaneke</a:t>
             </a:r>
             <a:r>
@@ -8660,8 +8644,8 @@
           </a:p>
           <a:p>
             <a:r>
-              <a:rPr dirty="0"/>
-              <a:t>📌 Bu </a:t>
+              <a:rPr dirty="0" smtClean="0"/>
+              <a:t>Bu </a:t>
             </a:r>
             <a:r>
               <a:rPr dirty="0" err="1"/>
@@ -9037,8 +9021,8 @@
           </a:p>
           <a:p>
             <a:r>
-              <a:rPr dirty="0"/>
-              <a:t>🎯 </a:t>
+              <a:rPr dirty="0" smtClean="0"/>
+              <a:t> </a:t>
             </a:r>
             <a:r>
               <a:rPr dirty="0" err="1"/>
@@ -9139,13 +9123,13 @@
   <p:clrMapOvr>
     <a:masterClrMapping/>
   </p:clrMapOvr>
-  <mc:AlternateContent xmlns:mc="http://schemas.openxmlformats.org/markup-compatibility/2006">
-    <mc:Choice xmlns:p15="http://schemas.microsoft.com/office/powerpoint/2012/main" Requires="p15">
+  <mc:AlternateContent xmlns:mc="http://schemas.openxmlformats.org/markup-compatibility/2006" xmlns:p15="http://schemas.microsoft.com/office/powerpoint/2012/main">
+    <mc:Choice Requires="p15">
       <p:transition xmlns:p14="http://schemas.microsoft.com/office/powerpoint/2010/main" spd="slow" p14:dur="2000">
         <p15:prstTrans prst="drape"/>
       </p:transition>
     </mc:Choice>
-    <mc:Fallback>
+    <mc:Fallback xmlns="">
       <p:transition spd="slow">
         <p:fade/>
       </p:transition>
@@ -9239,7 +9223,12 @@
             <p:ph idx="1"/>
           </p:nvPr>
         </p:nvSpPr>
-        <p:spPr/>
+        <p:spPr>
+          <a:xfrm>
+            <a:off x="1847072" y="1560163"/>
+            <a:ext cx="6591985" cy="3777622"/>
+          </a:xfrm>
+        </p:spPr>
         <p:txBody>
           <a:bodyPr/>
           <a:lstStyle/>
@@ -9443,13 +9432,13 @@
   <p:clrMapOvr>
     <a:masterClrMapping/>
   </p:clrMapOvr>
-  <mc:AlternateContent xmlns:mc="http://schemas.openxmlformats.org/markup-compatibility/2006">
-    <mc:Choice xmlns:p15="http://schemas.microsoft.com/office/powerpoint/2012/main" Requires="p15">
+  <mc:AlternateContent xmlns:mc="http://schemas.openxmlformats.org/markup-compatibility/2006" xmlns:p15="http://schemas.microsoft.com/office/powerpoint/2012/main">
+    <mc:Choice Requires="p15">
       <p:transition xmlns:p14="http://schemas.microsoft.com/office/powerpoint/2010/main" spd="slow" p14:dur="2000">
         <p15:prstTrans prst="wind"/>
       </p:transition>
     </mc:Choice>
-    <mc:Fallback>
+    <mc:Fallback xmlns="">
       <p:transition spd="slow">
         <p:fade/>
       </p:transition>
@@ -9648,13 +9637,13 @@
   <p:clrMapOvr>
     <a:masterClrMapping/>
   </p:clrMapOvr>
-  <mc:AlternateContent xmlns:mc="http://schemas.openxmlformats.org/markup-compatibility/2006">
-    <mc:Choice xmlns:p14="http://schemas.microsoft.com/office/powerpoint/2010/main" Requires="p14">
+  <mc:AlternateContent xmlns:mc="http://schemas.openxmlformats.org/markup-compatibility/2006" xmlns:p14="http://schemas.microsoft.com/office/powerpoint/2010/main">
+    <mc:Choice Requires="p14">
       <p:transition spd="slow" p14:dur="1500">
         <p:split orient="vert"/>
       </p:transition>
     </mc:Choice>
-    <mc:Fallback>
+    <mc:Fallback xmlns="">
       <p:transition spd="slow">
         <p:split orient="vert"/>
       </p:transition>
@@ -9864,12 +9853,6 @@
           <a:bodyPr/>
           <a:lstStyle/>
           <a:p>
-            <a:r>
-              <a:rPr dirty="0" err="1" smtClean="0">
-                <a:latin typeface="Arial Black" panose="020B0A04020102020204" pitchFamily="34" charset="0"/>
-              </a:rPr>
-              <a:t>Kapanış</a:t>
-            </a:r>
             <a:endParaRPr dirty="0">
               <a:latin typeface="Arial Black" panose="020B0A04020102020204" pitchFamily="34" charset="0"/>
             </a:endParaRPr>
@@ -9925,13 +9908,13 @@
   <p:clrMapOvr>
     <a:masterClrMapping/>
   </p:clrMapOvr>
-  <mc:AlternateContent xmlns:mc="http://schemas.openxmlformats.org/markup-compatibility/2006">
-    <mc:Choice xmlns:p15="http://schemas.microsoft.com/office/powerpoint/2012/main" Requires="p15">
+  <mc:AlternateContent xmlns:mc="http://schemas.openxmlformats.org/markup-compatibility/2006" xmlns:p15="http://schemas.microsoft.com/office/powerpoint/2012/main">
+    <mc:Choice Requires="p15">
       <p:transition xmlns:p14="http://schemas.microsoft.com/office/powerpoint/2010/main" spd="slow" p14:dur="6000">
         <p15:prstTrans prst="curtains"/>
       </p:transition>
     </mc:Choice>
-    <mc:Fallback>
+    <mc:Fallback xmlns="">
       <p:transition spd="slow">
         <p:fade/>
       </p:transition>
@@ -10165,13 +10148,13 @@
   <p:clrMapOvr>
     <a:masterClrMapping/>
   </p:clrMapOvr>
-  <mc:AlternateContent xmlns:mc="http://schemas.openxmlformats.org/markup-compatibility/2006">
-    <mc:Choice xmlns:p14="http://schemas.microsoft.com/office/powerpoint/2010/main" Requires="p14">
+  <mc:AlternateContent xmlns:mc="http://schemas.openxmlformats.org/markup-compatibility/2006" xmlns:p14="http://schemas.microsoft.com/office/powerpoint/2010/main">
+    <mc:Choice Requires="p14">
       <p:transition spd="slow" p14:dur="1500">
         <p:split orient="vert"/>
       </p:transition>
     </mc:Choice>
-    <mc:Fallback>
+    <mc:Fallback xmlns="">
       <p:transition spd="slow">
         <p:split orient="vert"/>
       </p:transition>
@@ -10282,7 +10265,7 @@
         </p:nvSpPr>
         <p:spPr>
           <a:xfrm>
-            <a:off x="1809250" y="1521041"/>
+            <a:off x="1809250" y="1490044"/>
             <a:ext cx="6591985" cy="3777622"/>
           </a:xfrm>
         </p:spPr>
@@ -10452,7 +10435,19 @@
             </a:r>
             <a:r>
               <a:rPr lang="tr-TR" dirty="0" smtClean="0"/>
-              <a:t> namaz.</a:t>
+              <a:t> </a:t>
+            </a:r>
+            <a:r>
+              <a:rPr lang="tr-TR" dirty="0" smtClean="0"/>
+              <a:t>namazı. Toplam </a:t>
+            </a:r>
+            <a:r>
+              <a:rPr lang="tr-TR" dirty="0"/>
+              <a:t>13 </a:t>
+            </a:r>
+            <a:r>
+              <a:rPr lang="tr-TR" dirty="0" smtClean="0"/>
+              <a:t>rekât.</a:t>
             </a:r>
             <a:endParaRPr dirty="0"/>
           </a:p>
@@ -10480,7 +10475,7 @@
         </p:blipFill>
         <p:spPr>
           <a:xfrm>
-            <a:off x="2865693" y="3552124"/>
+            <a:off x="2865693" y="3826561"/>
             <a:ext cx="4547161" cy="3031439"/>
           </a:xfrm>
           <a:prstGeom prst="rect">
@@ -10645,13 +10640,13 @@
   <p:clrMapOvr>
     <a:masterClrMapping/>
   </p:clrMapOvr>
-  <mc:AlternateContent xmlns:mc="http://schemas.openxmlformats.org/markup-compatibility/2006">
-    <mc:Choice xmlns:p15="http://schemas.microsoft.com/office/powerpoint/2012/main" Requires="p15">
+  <mc:AlternateContent xmlns:mc="http://schemas.openxmlformats.org/markup-compatibility/2006" xmlns:p15="http://schemas.microsoft.com/office/powerpoint/2012/main">
+    <mc:Choice Requires="p15">
       <p:transition xmlns:p14="http://schemas.microsoft.com/office/powerpoint/2010/main" spd="slow" p14:dur="2000">
         <p15:prstTrans prst="drape"/>
       </p:transition>
     </mc:Choice>
-    <mc:Fallback>
+    <mc:Fallback xmlns="">
       <p:transition spd="slow">
         <p:fade/>
       </p:transition>
@@ -10960,10 +10955,16 @@
               <a:t> </a:t>
             </a:r>
             <a:r>
-              <a:rPr dirty="0" err="1">
+              <a:rPr dirty="0" err="1" smtClean="0">
                 <a:latin typeface="Arial Black" panose="020B0A04020102020204" pitchFamily="34" charset="0"/>
               </a:rPr>
               <a:t>Ayet</a:t>
+            </a:r>
+            <a:r>
+              <a:rPr lang="tr-TR" dirty="0" err="1" smtClean="0">
+                <a:latin typeface="Arial Black" panose="020B0A04020102020204" pitchFamily="34" charset="0"/>
+              </a:rPr>
+              <a:t>ler</a:t>
             </a:r>
             <a:endParaRPr dirty="0">
               <a:latin typeface="Arial Black" panose="020B0A04020102020204" pitchFamily="34" charset="0"/>
@@ -11210,25 +11211,13 @@
               <a:rPr dirty="0" err="1" smtClean="0">
                 <a:latin typeface="Arial Black" panose="020B0A04020102020204" pitchFamily="34" charset="0"/>
               </a:rPr>
-              <a:t>Namazın</a:t>
-            </a:r>
-            <a:r>
-              <a:rPr dirty="0" smtClean="0">
+              <a:t>Namaz</a:t>
+            </a:r>
+            <a:r>
+              <a:rPr lang="tr-TR" dirty="0" smtClean="0">
                 <a:latin typeface="Arial Black" panose="020B0A04020102020204" pitchFamily="34" charset="0"/>
               </a:rPr>
-              <a:t> </a:t>
-            </a:r>
-            <a:r>
-              <a:rPr dirty="0" err="1" smtClean="0">
-                <a:latin typeface="Arial Black" panose="020B0A04020102020204" pitchFamily="34" charset="0"/>
-              </a:rPr>
-              <a:t>Önemi</a:t>
-            </a:r>
-            <a:r>
-              <a:rPr dirty="0" smtClean="0">
-                <a:latin typeface="Arial Black" panose="020B0A04020102020204" pitchFamily="34" charset="0"/>
-              </a:rPr>
-              <a:t> – Hadis</a:t>
+              <a:t>la İlgili Hadis</a:t>
             </a:r>
             <a:endParaRPr dirty="0">
               <a:latin typeface="Arial Black" panose="020B0A04020102020204" pitchFamily="34" charset="0"/>
@@ -11252,20 +11241,168 @@
           <a:lstStyle/>
           <a:p>
             <a:r>
-              <a:t>🕋 “Namaz dinin direğidir.”</a:t>
-            </a:r>
-          </a:p>
-          <a:p>
-            <a:r>
-              <a:t>(Tirmizi, İman 8)</a:t>
-            </a:r>
-          </a:p>
-          <a:p>
-            <a:endParaRPr/>
-          </a:p>
-          <a:p>
-            <a:r>
-              <a:t>Bir bina direksiz ayakta kalamayacağı gibi, bir mümin de namazsız sağlam bir iman hayatı sürdüremez.</a:t>
+              <a:rPr dirty="0" smtClean="0"/>
+              <a:t>“</a:t>
+            </a:r>
+            <a:r>
+              <a:rPr dirty="0" err="1"/>
+              <a:t>Namaz</a:t>
+            </a:r>
+            <a:r>
+              <a:rPr dirty="0"/>
+              <a:t> </a:t>
+            </a:r>
+            <a:r>
+              <a:rPr dirty="0" err="1"/>
+              <a:t>dinin</a:t>
+            </a:r>
+            <a:r>
+              <a:rPr dirty="0"/>
+              <a:t> </a:t>
+            </a:r>
+            <a:r>
+              <a:rPr dirty="0" err="1"/>
+              <a:t>direğidir</a:t>
+            </a:r>
+            <a:r>
+              <a:rPr dirty="0" smtClean="0"/>
+              <a:t>.”(</a:t>
+            </a:r>
+            <a:r>
+              <a:rPr dirty="0" err="1"/>
+              <a:t>Tirmizi</a:t>
+            </a:r>
+            <a:r>
+              <a:rPr dirty="0"/>
+              <a:t>, </a:t>
+            </a:r>
+            <a:r>
+              <a:rPr dirty="0" err="1"/>
+              <a:t>İman</a:t>
+            </a:r>
+            <a:r>
+              <a:rPr dirty="0"/>
+              <a:t> 8)</a:t>
+            </a:r>
+          </a:p>
+          <a:p>
+            <a:endParaRPr dirty="0"/>
+          </a:p>
+          <a:p>
+            <a:pPr marL="0" indent="0">
+              <a:buNone/>
+            </a:pPr>
+            <a:r>
+              <a:rPr dirty="0" err="1"/>
+              <a:t>Bir</a:t>
+            </a:r>
+            <a:r>
+              <a:rPr dirty="0"/>
+              <a:t> </a:t>
+            </a:r>
+            <a:r>
+              <a:rPr dirty="0" err="1"/>
+              <a:t>bina</a:t>
+            </a:r>
+            <a:r>
+              <a:rPr dirty="0"/>
+              <a:t> </a:t>
+            </a:r>
+            <a:r>
+              <a:rPr dirty="0" err="1"/>
+              <a:t>direksiz</a:t>
+            </a:r>
+            <a:r>
+              <a:rPr dirty="0"/>
+              <a:t> </a:t>
+            </a:r>
+            <a:r>
+              <a:rPr dirty="0" err="1"/>
+              <a:t>ayakta</a:t>
+            </a:r>
+            <a:r>
+              <a:rPr dirty="0"/>
+              <a:t> </a:t>
+            </a:r>
+            <a:r>
+              <a:rPr dirty="0" err="1"/>
+              <a:t>kalamayacağı</a:t>
+            </a:r>
+            <a:r>
+              <a:rPr dirty="0"/>
+              <a:t> </a:t>
+            </a:r>
+            <a:r>
+              <a:rPr dirty="0" err="1"/>
+              <a:t>gibi</a:t>
+            </a:r>
+            <a:r>
+              <a:rPr dirty="0"/>
+              <a:t>, </a:t>
+            </a:r>
+            <a:r>
+              <a:rPr dirty="0" err="1"/>
+              <a:t>bir</a:t>
+            </a:r>
+            <a:r>
+              <a:rPr dirty="0"/>
+              <a:t> </a:t>
+            </a:r>
+            <a:r>
+              <a:rPr dirty="0" err="1"/>
+              <a:t>mümin</a:t>
+            </a:r>
+            <a:r>
+              <a:rPr dirty="0"/>
+              <a:t> de </a:t>
+            </a:r>
+            <a:r>
+              <a:rPr dirty="0" err="1"/>
+              <a:t>namazsız</a:t>
+            </a:r>
+            <a:r>
+              <a:rPr dirty="0"/>
+              <a:t> </a:t>
+            </a:r>
+            <a:r>
+              <a:rPr dirty="0" err="1"/>
+              <a:t>sağlam</a:t>
+            </a:r>
+            <a:r>
+              <a:rPr dirty="0"/>
+              <a:t> </a:t>
+            </a:r>
+            <a:r>
+              <a:rPr dirty="0" err="1"/>
+              <a:t>bir</a:t>
+            </a:r>
+            <a:r>
+              <a:rPr dirty="0"/>
+              <a:t> </a:t>
+            </a:r>
+            <a:r>
+              <a:rPr dirty="0" err="1"/>
+              <a:t>iman</a:t>
+            </a:r>
+            <a:r>
+              <a:rPr dirty="0"/>
+              <a:t> </a:t>
+            </a:r>
+            <a:r>
+              <a:rPr dirty="0" err="1"/>
+              <a:t>hayatı</a:t>
+            </a:r>
+            <a:r>
+              <a:rPr dirty="0"/>
+              <a:t> </a:t>
+            </a:r>
+            <a:r>
+              <a:rPr dirty="0" err="1"/>
+              <a:t>sürdüremez</a:t>
+            </a:r>
+            <a:r>
+              <a:rPr dirty="0"/>
+              <a:t>.</a:t>
             </a:r>
           </a:p>
         </p:txBody>
@@ -11310,13 +11447,13 @@
   <p:clrMapOvr>
     <a:masterClrMapping/>
   </p:clrMapOvr>
-  <mc:AlternateContent xmlns:mc="http://schemas.openxmlformats.org/markup-compatibility/2006">
-    <mc:Choice xmlns:p14="http://schemas.microsoft.com/office/powerpoint/2010/main" Requires="p14">
+  <mc:AlternateContent xmlns:mc="http://schemas.openxmlformats.org/markup-compatibility/2006" xmlns:p14="http://schemas.microsoft.com/office/powerpoint/2010/main">
+    <mc:Choice Requires="p14">
       <p:transition spd="slow" p14:dur="1200">
         <p14:prism/>
       </p:transition>
     </mc:Choice>
-    <mc:Fallback>
+    <mc:Fallback xmlns="">
       <p:transition spd="slow">
         <p:fade/>
       </p:transition>
@@ -11587,13 +11724,13 @@
   <p:clrMapOvr>
     <a:masterClrMapping/>
   </p:clrMapOvr>
-  <mc:AlternateContent xmlns:mc="http://schemas.openxmlformats.org/markup-compatibility/2006">
-    <mc:Choice xmlns:p14="http://schemas.microsoft.com/office/powerpoint/2010/main" Requires="p14">
+  <mc:AlternateContent xmlns:mc="http://schemas.openxmlformats.org/markup-compatibility/2006" xmlns:p14="http://schemas.microsoft.com/office/powerpoint/2010/main">
+    <mc:Choice Requires="p14">
       <p:transition spd="slow">
         <p14:flash/>
       </p:transition>
     </mc:Choice>
-    <mc:Fallback>
+    <mc:Fallback xmlns="">
       <p:transition spd="slow">
         <p:fade/>
       </p:transition>
@@ -11687,7 +11824,12 @@
             <p:ph idx="1"/>
           </p:nvPr>
         </p:nvSpPr>
-        <p:spPr/>
+        <p:spPr>
+          <a:xfrm>
+            <a:off x="1942415" y="1668651"/>
+            <a:ext cx="6591985" cy="3777622"/>
+          </a:xfrm>
+        </p:spPr>
         <p:txBody>
           <a:bodyPr/>
           <a:lstStyle/>
@@ -11924,13 +12066,13 @@
   <p:clrMapOvr>
     <a:masterClrMapping/>
   </p:clrMapOvr>
-  <mc:AlternateContent xmlns:mc="http://schemas.openxmlformats.org/markup-compatibility/2006">
-    <mc:Choice xmlns:p15="http://schemas.microsoft.com/office/powerpoint/2012/main" Requires="p15">
+  <mc:AlternateContent xmlns:mc="http://schemas.openxmlformats.org/markup-compatibility/2006" xmlns:p15="http://schemas.microsoft.com/office/powerpoint/2012/main">
+    <mc:Choice Requires="p15">
       <p:transition xmlns:p14="http://schemas.microsoft.com/office/powerpoint/2010/main" spd="slow" p14:dur="1250">
         <p15:prstTrans prst="pageCurlDouble"/>
       </p:transition>
     </mc:Choice>
-    <mc:Fallback>
+    <mc:Fallback xmlns="">
       <p:transition spd="slow">
         <p:fade/>
       </p:transition>
